--- a/lecture/lecture10_llcao.pptx
+++ b/lecture/lecture10_llcao.pptx
@@ -240,14 +240,14 @@
           <a:effectLst/>
           <a:extLst>
             <a:ext uri="{909E8E84-426E-40dd-AFC4-6F175D3DCCD1}">
-              <a14:hiddenFill xmlns="" xmlns:a14="http://schemas.microsoft.com/office/drawing/2010/main">
+              <a14:hiddenFill xmlns:a14="http://schemas.microsoft.com/office/drawing/2010/main" xmlns="">
                 <a:solidFill>
                   <a:schemeClr val="accent1"/>
                 </a:solidFill>
               </a14:hiddenFill>
             </a:ext>
             <a:ext uri="{91240B29-F687-4f45-9708-019B960494DF}">
-              <a14:hiddenLine xmlns="" xmlns:a14="http://schemas.microsoft.com/office/drawing/2010/main" w="9525">
+              <a14:hiddenLine xmlns:a14="http://schemas.microsoft.com/office/drawing/2010/main" xmlns="" w="9525">
                 <a:solidFill>
                   <a:schemeClr val="tx1"/>
                 </a:solidFill>
@@ -257,7 +257,7 @@
               </a14:hiddenLine>
             </a:ext>
             <a:ext uri="{AF507438-7753-43e0-B8FC-AC1667EBCBE1}">
-              <a14:hiddenEffects xmlns="" xmlns:a14="http://schemas.microsoft.com/office/drawing/2010/main">
+              <a14:hiddenEffects xmlns:a14="http://schemas.microsoft.com/office/drawing/2010/main" xmlns="">
                 <a:effectLst>
                   <a:outerShdw dist="35921" dir="2700000" algn="ctr" rotWithShape="0">
                     <a:schemeClr val="bg2"/>
@@ -315,14 +315,14 @@
           <a:effectLst/>
           <a:extLst>
             <a:ext uri="{909E8E84-426E-40dd-AFC4-6F175D3DCCD1}">
-              <a14:hiddenFill xmlns="" xmlns:a14="http://schemas.microsoft.com/office/drawing/2010/main">
+              <a14:hiddenFill xmlns:a14="http://schemas.microsoft.com/office/drawing/2010/main" xmlns="">
                 <a:solidFill>
                   <a:schemeClr val="accent1"/>
                 </a:solidFill>
               </a14:hiddenFill>
             </a:ext>
             <a:ext uri="{91240B29-F687-4f45-9708-019B960494DF}">
-              <a14:hiddenLine xmlns="" xmlns:a14="http://schemas.microsoft.com/office/drawing/2010/main" w="9525">
+              <a14:hiddenLine xmlns:a14="http://schemas.microsoft.com/office/drawing/2010/main" xmlns="" w="9525">
                 <a:solidFill>
                   <a:schemeClr val="tx1"/>
                 </a:solidFill>
@@ -332,7 +332,7 @@
               </a14:hiddenLine>
             </a:ext>
             <a:ext uri="{AF507438-7753-43e0-B8FC-AC1667EBCBE1}">
-              <a14:hiddenEffects xmlns="" xmlns:a14="http://schemas.microsoft.com/office/drawing/2010/main">
+              <a14:hiddenEffects xmlns:a14="http://schemas.microsoft.com/office/drawing/2010/main" xmlns="">
                 <a:effectLst>
                   <a:outerShdw dist="35921" dir="2700000" algn="ctr" rotWithShape="0">
                     <a:schemeClr val="bg2"/>
@@ -390,14 +390,14 @@
           <a:effectLst/>
           <a:extLst>
             <a:ext uri="{909E8E84-426E-40dd-AFC4-6F175D3DCCD1}">
-              <a14:hiddenFill xmlns="" xmlns:a14="http://schemas.microsoft.com/office/drawing/2010/main">
+              <a14:hiddenFill xmlns:a14="http://schemas.microsoft.com/office/drawing/2010/main" xmlns="">
                 <a:solidFill>
                   <a:schemeClr val="accent1"/>
                 </a:solidFill>
               </a14:hiddenFill>
             </a:ext>
             <a:ext uri="{91240B29-F687-4f45-9708-019B960494DF}">
-              <a14:hiddenLine xmlns="" xmlns:a14="http://schemas.microsoft.com/office/drawing/2010/main" w="9525">
+              <a14:hiddenLine xmlns:a14="http://schemas.microsoft.com/office/drawing/2010/main" xmlns="" w="9525">
                 <a:solidFill>
                   <a:schemeClr val="tx1"/>
                 </a:solidFill>
@@ -407,7 +407,7 @@
               </a14:hiddenLine>
             </a:ext>
             <a:ext uri="{AF507438-7753-43e0-B8FC-AC1667EBCBE1}">
-              <a14:hiddenEffects xmlns="" xmlns:a14="http://schemas.microsoft.com/office/drawing/2010/main">
+              <a14:hiddenEffects xmlns:a14="http://schemas.microsoft.com/office/drawing/2010/main" xmlns="">
                 <a:effectLst>
                   <a:outerShdw dist="35921" dir="2700000" algn="ctr" rotWithShape="0">
                     <a:schemeClr val="bg2"/>
@@ -465,14 +465,14 @@
           <a:effectLst/>
           <a:extLst>
             <a:ext uri="{909E8E84-426E-40dd-AFC4-6F175D3DCCD1}">
-              <a14:hiddenFill xmlns="" xmlns:a14="http://schemas.microsoft.com/office/drawing/2010/main">
+              <a14:hiddenFill xmlns:a14="http://schemas.microsoft.com/office/drawing/2010/main" xmlns="">
                 <a:solidFill>
                   <a:schemeClr val="accent1"/>
                 </a:solidFill>
               </a14:hiddenFill>
             </a:ext>
             <a:ext uri="{91240B29-F687-4f45-9708-019B960494DF}">
-              <a14:hiddenLine xmlns="" xmlns:a14="http://schemas.microsoft.com/office/drawing/2010/main" w="9525">
+              <a14:hiddenLine xmlns:a14="http://schemas.microsoft.com/office/drawing/2010/main" xmlns="" w="9525">
                 <a:solidFill>
                   <a:schemeClr val="tx1"/>
                 </a:solidFill>
@@ -482,7 +482,7 @@
               </a14:hiddenLine>
             </a:ext>
             <a:ext uri="{AF507438-7753-43e0-B8FC-AC1667EBCBE1}">
-              <a14:hiddenEffects xmlns="" xmlns:a14="http://schemas.microsoft.com/office/drawing/2010/main">
+              <a14:hiddenEffects xmlns:a14="http://schemas.microsoft.com/office/drawing/2010/main" xmlns="">
                 <a:effectLst>
                   <a:outerShdw dist="35921" dir="2700000" algn="ctr" rotWithShape="0">
                     <a:schemeClr val="bg2"/>
@@ -581,14 +581,14 @@
           <a:effectLst/>
           <a:extLst>
             <a:ext uri="{909E8E84-426E-40dd-AFC4-6F175D3DCCD1}">
-              <a14:hiddenFill xmlns="" xmlns:a14="http://schemas.microsoft.com/office/drawing/2010/main">
+              <a14:hiddenFill xmlns:a14="http://schemas.microsoft.com/office/drawing/2010/main" xmlns="">
                 <a:solidFill>
                   <a:schemeClr val="accent1"/>
                 </a:solidFill>
               </a14:hiddenFill>
             </a:ext>
             <a:ext uri="{91240B29-F687-4f45-9708-019B960494DF}">
-              <a14:hiddenLine xmlns="" xmlns:a14="http://schemas.microsoft.com/office/drawing/2010/main" w="9525">
+              <a14:hiddenLine xmlns:a14="http://schemas.microsoft.com/office/drawing/2010/main" xmlns="" w="9525">
                 <a:solidFill>
                   <a:schemeClr val="tx1"/>
                 </a:solidFill>
@@ -598,7 +598,7 @@
               </a14:hiddenLine>
             </a:ext>
             <a:ext uri="{AF507438-7753-43e0-B8FC-AC1667EBCBE1}">
-              <a14:hiddenEffects xmlns="" xmlns:a14="http://schemas.microsoft.com/office/drawing/2010/main">
+              <a14:hiddenEffects xmlns:a14="http://schemas.microsoft.com/office/drawing/2010/main" xmlns="">
                 <a:effectLst>
                   <a:outerShdw dist="35921" dir="2700000" algn="ctr" rotWithShape="0">
                     <a:schemeClr val="bg2"/>
@@ -656,14 +656,14 @@
           <a:effectLst/>
           <a:extLst>
             <a:ext uri="{909E8E84-426E-40dd-AFC4-6F175D3DCCD1}">
-              <a14:hiddenFill xmlns="" xmlns:a14="http://schemas.microsoft.com/office/drawing/2010/main">
+              <a14:hiddenFill xmlns:a14="http://schemas.microsoft.com/office/drawing/2010/main" xmlns="">
                 <a:solidFill>
                   <a:schemeClr val="accent1"/>
                 </a:solidFill>
               </a14:hiddenFill>
             </a:ext>
             <a:ext uri="{91240B29-F687-4f45-9708-019B960494DF}">
-              <a14:hiddenLine xmlns="" xmlns:a14="http://schemas.microsoft.com/office/drawing/2010/main" w="9525">
+              <a14:hiddenLine xmlns:a14="http://schemas.microsoft.com/office/drawing/2010/main" xmlns="" w="9525">
                 <a:solidFill>
                   <a:schemeClr val="tx1"/>
                 </a:solidFill>
@@ -673,7 +673,7 @@
               </a14:hiddenLine>
             </a:ext>
             <a:ext uri="{AF507438-7753-43e0-B8FC-AC1667EBCBE1}">
-              <a14:hiddenEffects xmlns="" xmlns:a14="http://schemas.microsoft.com/office/drawing/2010/main">
+              <a14:hiddenEffects xmlns:a14="http://schemas.microsoft.com/office/drawing/2010/main" xmlns="">
                 <a:effectLst>
                   <a:outerShdw dist="35921" dir="2700000" algn="ctr" rotWithShape="0">
                     <a:schemeClr val="bg2"/>
@@ -736,14 +736,14 @@
           <a:effectLst/>
           <a:extLst>
             <a:ext uri="{909E8E84-426E-40dd-AFC4-6F175D3DCCD1}">
-              <a14:hiddenFill xmlns="" xmlns:a14="http://schemas.microsoft.com/office/drawing/2010/main">
+              <a14:hiddenFill xmlns:a14="http://schemas.microsoft.com/office/drawing/2010/main" xmlns="">
                 <a:solidFill>
                   <a:srgbClr val="FFFFFF"/>
                 </a:solidFill>
               </a14:hiddenFill>
             </a:ext>
             <a:ext uri="{AF507438-7753-43e0-B8FC-AC1667EBCBE1}">
-              <a14:hiddenEffects xmlns="" xmlns:a14="http://schemas.microsoft.com/office/drawing/2010/main">
+              <a14:hiddenEffects xmlns:a14="http://schemas.microsoft.com/office/drawing/2010/main" xmlns="">
                 <a:effectLst>
                   <a:outerShdw dist="35921" dir="2700000" algn="ctr" rotWithShape="0">
                     <a:srgbClr val="808080"/>
@@ -752,7 +752,7 @@
               </a14:hiddenEffects>
             </a:ext>
             <a:ext uri="{53640926-AAD7-44d8-BBD7-CCE9431645EC}">
-              <a14:shadowObscured xmlns="" xmlns:a14="http://schemas.microsoft.com/office/drawing/2010/main" val="1"/>
+              <a14:shadowObscured xmlns:a14="http://schemas.microsoft.com/office/drawing/2010/main" xmlns="" val="1"/>
             </a:ext>
           </a:extLst>
         </p:spPr>
@@ -782,14 +782,14 @@
           <a:effectLst/>
           <a:extLst>
             <a:ext uri="{909E8E84-426E-40dd-AFC4-6F175D3DCCD1}">
-              <a14:hiddenFill xmlns="" xmlns:a14="http://schemas.microsoft.com/office/drawing/2010/main">
+              <a14:hiddenFill xmlns:a14="http://schemas.microsoft.com/office/drawing/2010/main" xmlns="">
                 <a:solidFill>
                   <a:schemeClr val="accent1"/>
                 </a:solidFill>
               </a14:hiddenFill>
             </a:ext>
             <a:ext uri="{91240B29-F687-4f45-9708-019B960494DF}">
-              <a14:hiddenLine xmlns="" xmlns:a14="http://schemas.microsoft.com/office/drawing/2010/main" w="9525">
+              <a14:hiddenLine xmlns:a14="http://schemas.microsoft.com/office/drawing/2010/main" xmlns="" w="9525">
                 <a:solidFill>
                   <a:schemeClr val="tx1"/>
                 </a:solidFill>
@@ -799,7 +799,7 @@
               </a14:hiddenLine>
             </a:ext>
             <a:ext uri="{AF507438-7753-43e0-B8FC-AC1667EBCBE1}">
-              <a14:hiddenEffects xmlns="" xmlns:a14="http://schemas.microsoft.com/office/drawing/2010/main">
+              <a14:hiddenEffects xmlns:a14="http://schemas.microsoft.com/office/drawing/2010/main" xmlns="">
                 <a:effectLst>
                   <a:outerShdw dist="35921" dir="2700000" algn="ctr" rotWithShape="0">
                     <a:schemeClr val="bg2"/>
@@ -878,14 +878,14 @@
           <a:effectLst/>
           <a:extLst>
             <a:ext uri="{909E8E84-426E-40dd-AFC4-6F175D3DCCD1}">
-              <a14:hiddenFill xmlns="" xmlns:a14="http://schemas.microsoft.com/office/drawing/2010/main">
+              <a14:hiddenFill xmlns:a14="http://schemas.microsoft.com/office/drawing/2010/main" xmlns="">
                 <a:solidFill>
                   <a:schemeClr val="accent1"/>
                 </a:solidFill>
               </a14:hiddenFill>
             </a:ext>
             <a:ext uri="{91240B29-F687-4f45-9708-019B960494DF}">
-              <a14:hiddenLine xmlns="" xmlns:a14="http://schemas.microsoft.com/office/drawing/2010/main" w="9525">
+              <a14:hiddenLine xmlns:a14="http://schemas.microsoft.com/office/drawing/2010/main" xmlns="" w="9525">
                 <a:solidFill>
                   <a:schemeClr val="tx1"/>
                 </a:solidFill>
@@ -895,7 +895,7 @@
               </a14:hiddenLine>
             </a:ext>
             <a:ext uri="{AF507438-7753-43e0-B8FC-AC1667EBCBE1}">
-              <a14:hiddenEffects xmlns="" xmlns:a14="http://schemas.microsoft.com/office/drawing/2010/main">
+              <a14:hiddenEffects xmlns:a14="http://schemas.microsoft.com/office/drawing/2010/main" xmlns="">
                 <a:effectLst>
                   <a:outerShdw dist="35921" dir="2700000" algn="ctr" rotWithShape="0">
                     <a:schemeClr val="bg2"/>
@@ -953,14 +953,14 @@
           <a:effectLst/>
           <a:extLst>
             <a:ext uri="{909E8E84-426E-40dd-AFC4-6F175D3DCCD1}">
-              <a14:hiddenFill xmlns="" xmlns:a14="http://schemas.microsoft.com/office/drawing/2010/main">
+              <a14:hiddenFill xmlns:a14="http://schemas.microsoft.com/office/drawing/2010/main" xmlns="">
                 <a:solidFill>
                   <a:schemeClr val="accent1"/>
                 </a:solidFill>
               </a14:hiddenFill>
             </a:ext>
             <a:ext uri="{91240B29-F687-4f45-9708-019B960494DF}">
-              <a14:hiddenLine xmlns="" xmlns:a14="http://schemas.microsoft.com/office/drawing/2010/main" w="9525">
+              <a14:hiddenLine xmlns:a14="http://schemas.microsoft.com/office/drawing/2010/main" xmlns="" w="9525">
                 <a:solidFill>
                   <a:schemeClr val="tx1"/>
                 </a:solidFill>
@@ -970,7 +970,7 @@
               </a14:hiddenLine>
             </a:ext>
             <a:ext uri="{AF507438-7753-43e0-B8FC-AC1667EBCBE1}">
-              <a14:hiddenEffects xmlns="" xmlns:a14="http://schemas.microsoft.com/office/drawing/2010/main">
+              <a14:hiddenEffects xmlns:a14="http://schemas.microsoft.com/office/drawing/2010/main" xmlns="">
                 <a:effectLst>
                   <a:outerShdw dist="35921" dir="2700000" algn="ctr" rotWithShape="0">
                     <a:schemeClr val="bg2"/>
@@ -5128,14 +5128,14 @@
           </a:ln>
           <a:extLst>
             <a:ext uri="{909E8E84-426E-40dd-AFC4-6F175D3DCCD1}">
-              <a14:hiddenFill xmlns="" xmlns:a14="http://schemas.microsoft.com/office/drawing/2010/main">
+              <a14:hiddenFill xmlns:a14="http://schemas.microsoft.com/office/drawing/2010/main" xmlns="">
                 <a:solidFill>
                   <a:srgbClr val="FFFFFF"/>
                 </a:solidFill>
               </a14:hiddenFill>
             </a:ext>
             <a:ext uri="{91240B29-F687-4f45-9708-019B960494DF}">
-              <a14:hiddenLine xmlns="" xmlns:a14="http://schemas.microsoft.com/office/drawing/2010/main" w="9525">
+              <a14:hiddenLine xmlns:a14="http://schemas.microsoft.com/office/drawing/2010/main" xmlns="" w="9525">
                 <a:solidFill>
                   <a:srgbClr val="000000"/>
                 </a:solidFill>
@@ -5186,14 +5186,14 @@
           </a:ln>
           <a:extLst>
             <a:ext uri="{909E8E84-426E-40dd-AFC4-6F175D3DCCD1}">
-              <a14:hiddenFill xmlns="" xmlns:a14="http://schemas.microsoft.com/office/drawing/2010/main">
+              <a14:hiddenFill xmlns:a14="http://schemas.microsoft.com/office/drawing/2010/main" xmlns="">
                 <a:solidFill>
                   <a:srgbClr val="FFFFFF"/>
                 </a:solidFill>
               </a14:hiddenFill>
             </a:ext>
             <a:ext uri="{91240B29-F687-4f45-9708-019B960494DF}">
-              <a14:hiddenLine xmlns="" xmlns:a14="http://schemas.microsoft.com/office/drawing/2010/main" w="9525">
+              <a14:hiddenLine xmlns:a14="http://schemas.microsoft.com/office/drawing/2010/main" xmlns="" w="9525">
                 <a:solidFill>
                   <a:srgbClr val="000000"/>
                 </a:solidFill>
@@ -5273,14 +5273,14 @@
           <a:effectLst/>
           <a:extLst>
             <a:ext uri="{909E8E84-426E-40dd-AFC4-6F175D3DCCD1}">
-              <a14:hiddenFill xmlns="" xmlns:a14="http://schemas.microsoft.com/office/drawing/2010/main">
+              <a14:hiddenFill xmlns:a14="http://schemas.microsoft.com/office/drawing/2010/main" xmlns="">
                 <a:solidFill>
                   <a:schemeClr val="accent1"/>
                 </a:solidFill>
               </a14:hiddenFill>
             </a:ext>
             <a:ext uri="{91240B29-F687-4f45-9708-019B960494DF}">
-              <a14:hiddenLine xmlns="" xmlns:a14="http://schemas.microsoft.com/office/drawing/2010/main" w="9525">
+              <a14:hiddenLine xmlns:a14="http://schemas.microsoft.com/office/drawing/2010/main" xmlns="" w="9525">
                 <a:solidFill>
                   <a:schemeClr val="tx1"/>
                 </a:solidFill>
@@ -5290,7 +5290,7 @@
               </a14:hiddenLine>
             </a:ext>
             <a:ext uri="{AF507438-7753-43e0-B8FC-AC1667EBCBE1}">
-              <a14:hiddenEffects xmlns="" xmlns:a14="http://schemas.microsoft.com/office/drawing/2010/main">
+              <a14:hiddenEffects xmlns:a14="http://schemas.microsoft.com/office/drawing/2010/main" xmlns="">
                 <a:effectLst>
                   <a:outerShdw dist="35921" dir="2700000" algn="ctr" rotWithShape="0">
                     <a:schemeClr val="bg2"/>
@@ -6111,14 +6111,14 @@
           <a:effectLst/>
           <a:extLst>
             <a:ext uri="{909E8E84-426E-40dd-AFC4-6F175D3DCCD1}">
-              <a14:hiddenFill xmlns="" xmlns:a14="http://schemas.microsoft.com/office/drawing/2010/main">
+              <a14:hiddenFill xmlns:a14="http://schemas.microsoft.com/office/drawing/2010/main" xmlns="">
                 <a:solidFill>
                   <a:schemeClr val="accent1"/>
                 </a:solidFill>
               </a14:hiddenFill>
             </a:ext>
             <a:ext uri="{91240B29-F687-4f45-9708-019B960494DF}">
-              <a14:hiddenLine xmlns="" xmlns:a14="http://schemas.microsoft.com/office/drawing/2010/main" w="9525">
+              <a14:hiddenLine xmlns:a14="http://schemas.microsoft.com/office/drawing/2010/main" xmlns="" w="9525">
                 <a:solidFill>
                   <a:schemeClr val="tx1"/>
                 </a:solidFill>
@@ -6128,7 +6128,7 @@
               </a14:hiddenLine>
             </a:ext>
             <a:ext uri="{AF507438-7753-43e0-B8FC-AC1667EBCBE1}">
-              <a14:hiddenEffects xmlns="" xmlns:a14="http://schemas.microsoft.com/office/drawing/2010/main">
+              <a14:hiddenEffects xmlns:a14="http://schemas.microsoft.com/office/drawing/2010/main" xmlns="">
                 <a:effectLst>
                   <a:outerShdw dist="35921" dir="2700000" algn="ctr" rotWithShape="0">
                     <a:schemeClr val="bg2"/>
@@ -6338,14 +6338,14 @@
           <a:effectLst/>
           <a:extLst>
             <a:ext uri="{909E8E84-426E-40dd-AFC4-6F175D3DCCD1}">
-              <a14:hiddenFill xmlns="" xmlns:a14="http://schemas.microsoft.com/office/drawing/2010/main">
+              <a14:hiddenFill xmlns:a14="http://schemas.microsoft.com/office/drawing/2010/main" xmlns="">
                 <a:solidFill>
                   <a:schemeClr val="accent1"/>
                 </a:solidFill>
               </a14:hiddenFill>
             </a:ext>
             <a:ext uri="{91240B29-F687-4f45-9708-019B960494DF}">
-              <a14:hiddenLine xmlns="" xmlns:a14="http://schemas.microsoft.com/office/drawing/2010/main" w="9525">
+              <a14:hiddenLine xmlns:a14="http://schemas.microsoft.com/office/drawing/2010/main" xmlns="" w="9525">
                 <a:solidFill>
                   <a:schemeClr val="tx1"/>
                 </a:solidFill>
@@ -6355,7 +6355,7 @@
               </a14:hiddenLine>
             </a:ext>
             <a:ext uri="{AF507438-7753-43e0-B8FC-AC1667EBCBE1}">
-              <a14:hiddenEffects xmlns="" xmlns:a14="http://schemas.microsoft.com/office/drawing/2010/main">
+              <a14:hiddenEffects xmlns:a14="http://schemas.microsoft.com/office/drawing/2010/main" xmlns="">
                 <a:effectLst>
                   <a:outerShdw dist="35921" dir="2700000" algn="ctr" rotWithShape="0">
                     <a:schemeClr val="bg2"/>
@@ -7667,7 +7667,6 @@
               <a:rPr lang="en-US" sz="2400" i="0" dirty="0" smtClean="0"/>
               <a:t>So the adversarial example can be generated by</a:t>
             </a:r>
-            <a:endParaRPr lang="en-US" sz="2400" i="0" dirty="0" smtClean="0"/>
           </a:p>
         </p:txBody>
       </p:sp>
@@ -8264,11 +8263,6 @@
               </a:rPr>
               <a:t>) </a:t>
             </a:r>
-            <a:endParaRPr lang="en-US" sz="2400" i="0" dirty="0">
-              <a:latin typeface="Avenir Next Condensed" charset="0"/>
-              <a:ea typeface="Avenir Next Condensed" charset="0"/>
-              <a:cs typeface="Avenir Next Condensed" charset="0"/>
-            </a:endParaRPr>
           </a:p>
           <a:p>
             <a:pPr marL="0" indent="0">
@@ -8399,15 +8393,7 @@
                 <a:ea typeface="Avenir Next Condensed" charset="0"/>
                 <a:cs typeface="Avenir Next Condensed" charset="0"/>
               </a:rPr>
-              <a:t>, </a:t>
-            </a:r>
-            <a:r>
-              <a:rPr lang="en-US" sz="2400" i="0" dirty="0">
-                <a:latin typeface="Avenir Next Condensed" charset="0"/>
-                <a:ea typeface="Avenir Next Condensed" charset="0"/>
-                <a:cs typeface="Avenir Next Condensed" charset="0"/>
-              </a:rPr>
-              <a:t>**</a:t>
+              <a:t>, **</a:t>
             </a:r>
             <a:r>
               <a:rPr lang="en-US" sz="2400" i="0" dirty="0" err="1">
@@ -8459,7 +8445,6 @@
               <a:rPr lang="en-US" sz="2400" i="0" dirty="0" smtClean="0"/>
               <a:t> by yourself. </a:t>
             </a:r>
-            <a:endParaRPr lang="en-US" sz="2400" i="0" dirty="0" smtClean="0"/>
           </a:p>
         </p:txBody>
       </p:sp>
@@ -8836,7 +8821,6 @@
               <a:rPr lang="en-US" sz="2400" i="0" dirty="0" smtClean="0"/>
               <a:t> attack for object detection</a:t>
             </a:r>
-            <a:endParaRPr lang="en-US" sz="2400" i="0" dirty="0" smtClean="0"/>
           </a:p>
         </p:txBody>
       </p:sp>
@@ -11142,7 +11126,6 @@
               <a:rPr lang="en-US" sz="2400" i="0" dirty="0" smtClean="0"/>
               <a:t>Models trained from ImageNet have learned effective feature presentation.</a:t>
             </a:r>
-            <a:endParaRPr lang="en-US" sz="2400" i="0" dirty="0" smtClean="0"/>
           </a:p>
           <a:p>
             <a:pPr marL="0" indent="0">
@@ -11158,7 +11141,6 @@
               <a:rPr lang="en-US" sz="2400" i="0" dirty="0" smtClean="0"/>
               <a:t>We can treat deep CNNs as feature extractors, and fine tune a new model over it. </a:t>
             </a:r>
-            <a:endParaRPr lang="en-US" sz="2400" i="0" dirty="0" smtClean="0"/>
           </a:p>
           <a:p>
             <a:pPr marL="0" indent="0">
@@ -11185,7 +11167,6 @@
               <a:rPr lang="en-US" sz="2400" i="0" dirty="0" smtClean="0"/>
               <a:t>Train Linear SVM over deep features  (least training examples)</a:t>
             </a:r>
-            <a:endParaRPr lang="en-US" sz="2400" i="0" dirty="0" smtClean="0"/>
           </a:p>
           <a:p>
             <a:pPr marL="457200" indent="-457200">
@@ -11515,7 +11496,6 @@
               <a:rPr lang="en-US" sz="2400" i="0" dirty="0" smtClean="0"/>
               <a:t> </a:t>
             </a:r>
-            <a:endParaRPr lang="en-US" sz="2400" i="0" dirty="0" smtClean="0"/>
           </a:p>
           <a:p>
             <a:pPr marL="0" indent="0">
@@ -11542,7 +11522,6 @@
               <a:rPr lang="en-US" sz="2400" i="0" dirty="0" smtClean="0"/>
               <a:t>Take the last layer of ImageNet model as feature extractor</a:t>
             </a:r>
-            <a:endParaRPr lang="en-US" sz="2400" i="0" dirty="0" smtClean="0"/>
           </a:p>
           <a:p>
             <a:pPr marL="457200" indent="-457200">
@@ -11571,7 +11550,6 @@
               <a:rPr lang="en-US" sz="2400" i="0" dirty="0" smtClean="0"/>
               <a:t> model and fine the global minimization</a:t>
             </a:r>
-            <a:endParaRPr lang="en-US" sz="2400" i="0" dirty="0" smtClean="0"/>
           </a:p>
         </p:txBody>
       </p:sp>
@@ -11903,15 +11881,7 @@
                 <a:ea typeface="Avenir Next Condensed" charset="0"/>
                 <a:cs typeface="Avenir Next Condensed" charset="0"/>
               </a:rPr>
-              <a:t>=False</a:t>
-            </a:r>
-            <a:r>
-              <a:rPr lang="en-US" sz="2400" i="0" dirty="0">
-                <a:latin typeface="Avenir Next Condensed" charset="0"/>
-                <a:ea typeface="Avenir Next Condensed" charset="0"/>
-                <a:cs typeface="Avenir Next Condensed" charset="0"/>
-              </a:rPr>
-              <a:t>) </a:t>
+              <a:t>=False) </a:t>
             </a:r>
           </a:p>
           <a:p>
@@ -11932,8 +11902,34 @@
                 <a:ea typeface="Avenir Next Condensed" charset="0"/>
                 <a:cs typeface="Avenir Next Condensed" charset="0"/>
               </a:rPr>
-              <a:t>layer</a:t>
-            </a:r>
+              <a:t>layer in </a:t>
+            </a:r>
+            <a:r>
+              <a:rPr lang="en-US" sz="2400" i="0" dirty="0" err="1">
+                <a:latin typeface="Avenir Next Condensed" charset="0"/>
+                <a:ea typeface="Avenir Next Condensed" charset="0"/>
+                <a:cs typeface="Avenir Next Condensed" charset="0"/>
+              </a:rPr>
+              <a:t>model.layers</a:t>
+            </a:r>
+            <a:r>
+              <a:rPr lang="en-US" sz="2400" i="0" dirty="0">
+                <a:latin typeface="Avenir Next Condensed" charset="0"/>
+                <a:ea typeface="Avenir Next Condensed" charset="0"/>
+                <a:cs typeface="Avenir Next Condensed" charset="0"/>
+              </a:rPr>
+              <a:t>[:25]: </a:t>
+            </a:r>
+            <a:endParaRPr lang="en-US" sz="2400" i="0" dirty="0" smtClean="0">
+              <a:latin typeface="Avenir Next Condensed" charset="0"/>
+              <a:ea typeface="Avenir Next Condensed" charset="0"/>
+              <a:cs typeface="Avenir Next Condensed" charset="0"/>
+            </a:endParaRPr>
+          </a:p>
+          <a:p>
+            <a:pPr marL="800100" lvl="2" indent="0">
+              <a:buNone/>
+            </a:pPr>
             <a:r>
               <a:rPr lang="en-US" sz="2400" i="0" dirty="0">
                 <a:latin typeface="Avenir Next Condensed" charset="0"/>
@@ -11943,64 +11939,6 @@
               <a:t> </a:t>
             </a:r>
             <a:r>
-              <a:rPr lang="en-US" sz="2400" i="0" dirty="0">
-                <a:latin typeface="Avenir Next Condensed" charset="0"/>
-                <a:ea typeface="Avenir Next Condensed" charset="0"/>
-                <a:cs typeface="Avenir Next Condensed" charset="0"/>
-              </a:rPr>
-              <a:t>in</a:t>
-            </a:r>
-            <a:r>
-              <a:rPr lang="en-US" sz="2400" i="0" dirty="0">
-                <a:latin typeface="Avenir Next Condensed" charset="0"/>
-                <a:ea typeface="Avenir Next Condensed" charset="0"/>
-                <a:cs typeface="Avenir Next Condensed" charset="0"/>
-              </a:rPr>
-              <a:t> </a:t>
-            </a:r>
-            <a:r>
-              <a:rPr lang="en-US" sz="2400" i="0" dirty="0" err="1">
-                <a:latin typeface="Avenir Next Condensed" charset="0"/>
-                <a:ea typeface="Avenir Next Condensed" charset="0"/>
-                <a:cs typeface="Avenir Next Condensed" charset="0"/>
-              </a:rPr>
-              <a:t>model.layers</a:t>
-            </a:r>
-            <a:r>
-              <a:rPr lang="en-US" sz="2400" i="0" dirty="0">
-                <a:latin typeface="Avenir Next Condensed" charset="0"/>
-                <a:ea typeface="Avenir Next Condensed" charset="0"/>
-                <a:cs typeface="Avenir Next Condensed" charset="0"/>
-              </a:rPr>
-              <a:t>[:25]:</a:t>
-            </a:r>
-            <a:r>
-              <a:rPr lang="en-US" sz="2400" i="0" dirty="0">
-                <a:latin typeface="Avenir Next Condensed" charset="0"/>
-                <a:ea typeface="Avenir Next Condensed" charset="0"/>
-                <a:cs typeface="Avenir Next Condensed" charset="0"/>
-              </a:rPr>
-              <a:t> </a:t>
-            </a:r>
-            <a:endParaRPr lang="en-US" sz="2400" i="0" dirty="0" smtClean="0">
-              <a:latin typeface="Avenir Next Condensed" charset="0"/>
-              <a:ea typeface="Avenir Next Condensed" charset="0"/>
-              <a:cs typeface="Avenir Next Condensed" charset="0"/>
-            </a:endParaRPr>
-          </a:p>
-          <a:p>
-            <a:pPr marL="800100" lvl="2" indent="0">
-              <a:buNone/>
-            </a:pPr>
-            <a:r>
-              <a:rPr lang="en-US" sz="2400" i="0" dirty="0">
-                <a:latin typeface="Avenir Next Condensed" charset="0"/>
-                <a:ea typeface="Avenir Next Condensed" charset="0"/>
-                <a:cs typeface="Avenir Next Condensed" charset="0"/>
-              </a:rPr>
-              <a:t> </a:t>
-            </a:r>
-            <a:r>
               <a:rPr lang="en-US" sz="2400" i="0" dirty="0" smtClean="0">
                 <a:latin typeface="Avenir Next Condensed" charset="0"/>
                 <a:ea typeface="Avenir Next Condensed" charset="0"/>
@@ -12030,31 +11968,7 @@
                 <a:ea typeface="Avenir Next Condensed" charset="0"/>
                 <a:cs typeface="Avenir Next Condensed" charset="0"/>
               </a:rPr>
-              <a:t>=</a:t>
-            </a:r>
-            <a:r>
-              <a:rPr lang="en-US" sz="2400" i="0" dirty="0">
-                <a:latin typeface="Avenir Next Condensed" charset="0"/>
-                <a:ea typeface="Avenir Next Condensed" charset="0"/>
-                <a:cs typeface="Avenir Next Condensed" charset="0"/>
-              </a:rPr>
-              <a:t> </a:t>
-            </a:r>
-            <a:r>
-              <a:rPr lang="en-US" sz="2400" i="0" dirty="0">
-                <a:latin typeface="Avenir Next Condensed" charset="0"/>
-                <a:ea typeface="Avenir Next Condensed" charset="0"/>
-                <a:cs typeface="Avenir Next Condensed" charset="0"/>
-              </a:rPr>
-              <a:t>False</a:t>
-            </a:r>
-            <a:r>
-              <a:rPr lang="en-US" sz="2400" i="0" dirty="0">
-                <a:latin typeface="Avenir Next Condensed" charset="0"/>
-                <a:ea typeface="Avenir Next Condensed" charset="0"/>
-                <a:cs typeface="Avenir Next Condensed" charset="0"/>
-              </a:rPr>
-              <a:t> </a:t>
+              <a:t>= False </a:t>
             </a:r>
             <a:br>
               <a:rPr lang="en-US" sz="2400" i="0" dirty="0">
@@ -12093,7 +12007,6 @@
               <a:rPr lang="en-US" sz="2400" i="0" dirty="0" smtClean="0"/>
               <a:t>3.    Train the top model using SGD optimization</a:t>
             </a:r>
-            <a:endParaRPr lang="en-US" sz="2400" i="0" dirty="0" smtClean="0"/>
           </a:p>
         </p:txBody>
       </p:sp>
@@ -12425,7 +12338,11 @@
             </a:pPr>
             <a:r>
               <a:rPr lang="en-US" sz="2400" i="0" dirty="0" smtClean="0"/>
-              <a:t>Ticks of improve fine-tuning:</a:t>
+              <a:t>Tricks </a:t>
+            </a:r>
+            <a:r>
+              <a:rPr lang="en-US" sz="2400" i="0" dirty="0" smtClean="0"/>
+              <a:t>of improve fine-tuning:</a:t>
             </a:r>
             <a:endParaRPr lang="en-US" sz="2400" i="0" dirty="0"/>
           </a:p>

--- a/lecture/lecture10_llcao.pptx
+++ b/lecture/lecture10_llcao.pptx
@@ -11209,6 +11209,13 @@
   <p:clrMapOvr>
     <a:masterClrMapping/>
   </p:clrMapOvr>
+  <p:timing>
+    <p:tnLst>
+      <p:par>
+        <p:cTn id="1" dur="indefinite" restart="never" nodeType="tmRoot"/>
+      </p:par>
+    </p:tnLst>
+  </p:timing>
 </p:sld>
 </file>
 
@@ -11563,6 +11570,13 @@
   <p:clrMapOvr>
     <a:masterClrMapping/>
   </p:clrMapOvr>
+  <p:timing>
+    <p:tnLst>
+      <p:par>
+        <p:cTn id="1" dur="indefinite" restart="never" nodeType="tmRoot"/>
+      </p:par>
+    </p:tnLst>
+  </p:timing>
 </p:sld>
 </file>
 
@@ -12077,6 +12091,13 @@
   <p:clrMapOvr>
     <a:masterClrMapping/>
   </p:clrMapOvr>
+  <p:timing>
+    <p:tnLst>
+      <p:par>
+        <p:cTn id="1" dur="indefinite" restart="never" nodeType="tmRoot"/>
+      </p:par>
+    </p:tnLst>
+  </p:timing>
 </p:sld>
 </file>
 
@@ -12377,9 +12398,22 @@
               <a:buAutoNum type="arabicPeriod"/>
             </a:pPr>
             <a:r>
-              <a:rPr lang="en-US" sz="2400" i="0" dirty="0" smtClean="0"/>
-              <a:t>In deep learning, people usually do not add regularization. But for fine-tuning, regularization may help.</a:t>
-            </a:r>
+              <a:rPr lang="en-US" sz="2400" i="0" smtClean="0"/>
+              <a:t>Regularization </a:t>
+            </a:r>
+            <a:r>
+              <a:rPr lang="en-US" sz="2400" i="0"/>
+              <a:t>may help fine-tuning (</a:t>
+            </a:r>
+            <a:r>
+              <a:rPr lang="en-US" sz="2400" i="0"/>
+              <a:t>though </a:t>
+            </a:r>
+            <a:r>
+              <a:rPr lang="en-US" sz="2400" i="0" smtClean="0"/>
+              <a:t>we do not do regularization in general deep learning.)</a:t>
+            </a:r>
+            <a:endParaRPr lang="en-US" sz="2400" i="0" dirty="0" smtClean="0"/>
           </a:p>
         </p:txBody>
       </p:sp>
@@ -12620,6 +12654,13 @@
   <p:clrMapOvr>
     <a:masterClrMapping/>
   </p:clrMapOvr>
+  <p:timing>
+    <p:tnLst>
+      <p:par>
+        <p:cTn id="1" dur="indefinite" restart="never" nodeType="tmRoot"/>
+      </p:par>
+    </p:tnLst>
+  </p:timing>
 </p:sld>
 </file>
 

--- a/lecture/lecture10_llcao.pptx
+++ b/lecture/lecture10_llcao.pptx
@@ -12398,19 +12398,15 @@
               <a:buAutoNum type="arabicPeriod"/>
             </a:pPr>
             <a:r>
-              <a:rPr lang="en-US" sz="2400" i="0" smtClean="0"/>
+              <a:rPr lang="en-US" sz="2400" i="0" dirty="0" smtClean="0"/>
               <a:t>Regularization </a:t>
             </a:r>
             <a:r>
-              <a:rPr lang="en-US" sz="2400" i="0"/>
-              <a:t>may help fine-tuning (</a:t>
-            </a:r>
-            <a:r>
-              <a:rPr lang="en-US" sz="2400" i="0"/>
-              <a:t>though </a:t>
-            </a:r>
-            <a:r>
-              <a:rPr lang="en-US" sz="2400" i="0" smtClean="0"/>
+              <a:rPr lang="en-US" sz="2400" i="0" dirty="0"/>
+              <a:t>may help fine-tuning (though </a:t>
+            </a:r>
+            <a:r>
+              <a:rPr lang="en-US" sz="2400" i="0" dirty="0" smtClean="0"/>
               <a:t>we do not do regularization in general deep learning.)</a:t>
             </a:r>
             <a:endParaRPr lang="en-US" sz="2400" i="0" dirty="0" smtClean="0"/>
